--- a/Avito.pptx
+++ b/Avito.pptx
@@ -4097,25 +4097,37 @@
                       <a:rPr lang="en-US" sz="1800" b="0" i="1" smtClean="0">
                         <a:latin typeface="Cambria Math" panose="02040503050406030204" pitchFamily="18" charset="0"/>
                       </a:rPr>
+                      <m:t>𝑠𝑎𝑚𝑒</m:t>
+                    </m:r>
+                    <m:r>
+                      <a:rPr lang="en-US" sz="1800" b="0" i="1" smtClean="0">
+                        <a:latin typeface="Cambria Math" panose="02040503050406030204" pitchFamily="18" charset="0"/>
+                      </a:rPr>
+                      <m:t> </m:t>
+                    </m:r>
+                    <m:r>
+                      <a:rPr lang="en-US" sz="1800" b="0" i="1" smtClean="0">
+                        <a:latin typeface="Cambria Math" panose="02040503050406030204" pitchFamily="18" charset="0"/>
+                      </a:rPr>
                       <m:t>𝑟𝑒𝑔𝑖𝑜𝑛</m:t>
                     </m:r>
                     <m:r>
                       <a:rPr lang="en-US" sz="1800" b="0" i="1" smtClean="0">
                         <a:latin typeface="Cambria Math" panose="02040503050406030204" pitchFamily="18" charset="0"/>
                       </a:rPr>
-                      <m:t> </m:t>
+                      <m:t>=</m:t>
                     </m:r>
                     <m:r>
                       <a:rPr lang="en-US" sz="1800" b="0" i="1" smtClean="0">
                         <a:latin typeface="Cambria Math" panose="02040503050406030204" pitchFamily="18" charset="0"/>
                       </a:rPr>
-                      <m:t>𝑑𝑖𝑠𝑡𝑎𝑛𝑐𝑒</m:t>
+                      <m:t>𝑠𝑖𝑔𝑛</m:t>
                     </m:r>
                     <m:r>
                       <a:rPr lang="en-US" sz="1800" b="0" i="1" smtClean="0">
                         <a:latin typeface="Cambria Math" panose="02040503050406030204" pitchFamily="18" charset="0"/>
                       </a:rPr>
-                      <m:t>=| </m:t>
+                      <m:t>(| </m:t>
                     </m:r>
                     <m:r>
                       <a:rPr lang="en-US" sz="1800" b="0" i="1" smtClean="0">
@@ -4157,7 +4169,7 @@
                       <a:rPr lang="en-US" sz="1800" b="0" i="1" smtClean="0">
                         <a:latin typeface="Cambria Math" panose="02040503050406030204" pitchFamily="18" charset="0"/>
                       </a:rPr>
-                      <m:t>2 |</m:t>
+                      <m:t>2 |)</m:t>
                     </m:r>
                   </m:oMath>
                 </a14:m>
@@ -4571,6 +4583,30 @@
             <a:r>
               <a:rPr lang="en-US" dirty="0" smtClean="0"/>
               <a:t>Default Logistic Regression</a:t>
+            </a:r>
+          </a:p>
+          <a:p>
+            <a:r>
+              <a:rPr lang="en-US" dirty="0" smtClean="0"/>
+              <a:t>Train accuracy: 78.23%</a:t>
+            </a:r>
+          </a:p>
+          <a:p>
+            <a:r>
+              <a:rPr lang="en-US" dirty="0" smtClean="0"/>
+              <a:t>Test accuracy (on </a:t>
+            </a:r>
+            <a:r>
+              <a:rPr lang="en-US" dirty="0" err="1"/>
+              <a:t>K</a:t>
+            </a:r>
+            <a:r>
+              <a:rPr lang="en-US" dirty="0" err="1" smtClean="0"/>
+              <a:t>aggle</a:t>
+            </a:r>
+            <a:r>
+              <a:rPr lang="en-US" smtClean="0"/>
+              <a:t>): 76.85%</a:t>
             </a:r>
             <a:endParaRPr lang="en-SG" dirty="0"/>
           </a:p>

--- a/Avito.pptx
+++ b/Avito.pptx
@@ -9,6 +9,7 @@
     <p:sldId id="257" r:id="rId3"/>
     <p:sldId id="258" r:id="rId4"/>
     <p:sldId id="259" r:id="rId5"/>
+    <p:sldId id="260" r:id="rId6"/>
   </p:sldIdLst>
   <p:sldSz cx="12192000" cy="6858000"/>
   <p:notesSz cx="6858000" cy="9144000"/>
@@ -107,6 +108,11 @@
       </a:defRPr>
     </a:lvl9pPr>
   </p:defaultTextStyle>
+  <p:extLst>
+    <p:ext uri="{EFAFB233-063F-42B5-8137-9DF3F51BA10A}">
+      <p15:sldGuideLst xmlns:p15="http://schemas.microsoft.com/office/powerpoint/2012/main"/>
+    </p:ext>
+  </p:extLst>
 </p:presentation>
 </file>
 
@@ -3515,12 +3521,12 @@
   <p:extLst mod="1">
     <p:ext uri="{27BBF7A9-308A-43DC-89C8-2F10F3537804}">
       <p15:sldGuideLst xmlns:p15="http://schemas.microsoft.com/office/powerpoint/2012/main">
-        <p15:guide id="4294967295" orient="horz" pos="2160">
+        <p15:guide id="1" orient="horz" pos="2160">
           <p15:clr>
             <a:srgbClr val="F26B43"/>
           </p15:clr>
         </p15:guide>
-        <p15:guide id="4294967295" pos="3840">
+        <p15:guide id="2" pos="3840">
           <p15:clr>
             <a:srgbClr val="F26B43"/>
           </p15:clr>
@@ -3822,8 +3828,8 @@
           </a:p>
         </p:txBody>
       </p:sp>
-      <mc:AlternateContent xmlns:mc="http://schemas.openxmlformats.org/markup-compatibility/2006">
-        <mc:Choice xmlns:a14="http://schemas.microsoft.com/office/drawing/2010/main" Requires="a14">
+      <mc:AlternateContent xmlns:mc="http://schemas.openxmlformats.org/markup-compatibility/2006" xmlns:a14="http://schemas.microsoft.com/office/drawing/2010/main">
+        <mc:Choice Requires="a14">
           <p:sp>
             <p:nvSpPr>
               <p:cNvPr id="3" name="Content Placeholder 2"/>
@@ -4426,7 +4432,7 @@
             </p:txBody>
           </p:sp>
         </mc:Choice>
-        <mc:Fallback>
+        <mc:Fallback xmlns="">
           <p:sp>
             <p:nvSpPr>
               <p:cNvPr id="3" name="Content Placeholder 2"/>
@@ -4641,6 +4647,119 @@
       </p:par>
     </p:tnLst>
   </p:timing>
+</p:sld>
+</file>
+
+<file path=ppt/slides/slide5.xml><?xml version="1.0" encoding="utf-8"?>
+<p:sld xmlns:a="http://schemas.openxmlformats.org/drawingml/2006/main" xmlns:r="http://schemas.openxmlformats.org/officeDocument/2006/relationships" xmlns:p="http://schemas.openxmlformats.org/presentationml/2006/main">
+  <p:cSld>
+    <p:spTree>
+      <p:nvGrpSpPr>
+        <p:cNvPr id="1" name=""/>
+        <p:cNvGrpSpPr/>
+        <p:nvPr/>
+      </p:nvGrpSpPr>
+      <p:grpSpPr>
+        <a:xfrm>
+          <a:off x="0" y="0"/>
+          <a:ext cx="0" cy="0"/>
+          <a:chOff x="0" y="0"/>
+          <a:chExt cx="0" cy="0"/>
+        </a:xfrm>
+      </p:grpSpPr>
+      <p:sp>
+        <p:nvSpPr>
+          <p:cNvPr id="2" name="Title 1"/>
+          <p:cNvSpPr>
+            <a:spLocks noGrp="1"/>
+          </p:cNvSpPr>
+          <p:nvPr>
+            <p:ph type="title"/>
+          </p:nvPr>
+        </p:nvSpPr>
+        <p:spPr/>
+        <p:txBody>
+          <a:bodyPr/>
+          <a:lstStyle/>
+          <a:p>
+            <a:r>
+              <a:rPr lang="en-US" dirty="0" smtClean="0"/>
+              <a:t>Ying </a:t>
+            </a:r>
+            <a:r>
+              <a:rPr lang="en-US" dirty="0" err="1" smtClean="0"/>
+              <a:t>ying</a:t>
+            </a:r>
+            <a:r>
+              <a:rPr lang="en-US" dirty="0" smtClean="0"/>
+              <a:t/>
+            </a:r>
+            <a:br>
+              <a:rPr lang="en-US" dirty="0" smtClean="0"/>
+            </a:br>
+            <a:r>
+              <a:rPr lang="en-US" dirty="0" smtClean="0"/>
+              <a:t>thoughts on dataset</a:t>
+            </a:r>
+            <a:endParaRPr lang="en-SG" dirty="0"/>
+          </a:p>
+        </p:txBody>
+      </p:sp>
+      <p:sp>
+        <p:nvSpPr>
+          <p:cNvPr id="3" name="Content Placeholder 2"/>
+          <p:cNvSpPr>
+            <a:spLocks noGrp="1"/>
+          </p:cNvSpPr>
+          <p:nvPr>
+            <p:ph idx="1"/>
+          </p:nvPr>
+        </p:nvSpPr>
+        <p:spPr/>
+        <p:txBody>
+          <a:bodyPr/>
+          <a:lstStyle/>
+          <a:p>
+            <a:r>
+              <a:rPr lang="en-US" dirty="0" smtClean="0"/>
+              <a:t>Similarity between title, similarity between description</a:t>
+            </a:r>
+          </a:p>
+          <a:p>
+            <a:r>
+              <a:rPr lang="en-US" dirty="0" smtClean="0"/>
+              <a:t>Clustering latitude </a:t>
+            </a:r>
+            <a:r>
+              <a:rPr lang="en-US" smtClean="0"/>
+              <a:t>and longitude</a:t>
+            </a:r>
+            <a:endParaRPr lang="en-SG"/>
+          </a:p>
+        </p:txBody>
+      </p:sp>
+    </p:spTree>
+    <p:extLst>
+      <p:ext uri="{BB962C8B-B14F-4D97-AF65-F5344CB8AC3E}">
+        <p14:creationId xmlns:p14="http://schemas.microsoft.com/office/powerpoint/2010/main" val="3398701330"/>
+      </p:ext>
+    </p:extLst>
+  </p:cSld>
+  <p:clrMapOvr>
+    <a:masterClrMapping/>
+  </p:clrMapOvr>
+  <mc:AlternateContent xmlns:mc="http://schemas.openxmlformats.org/markup-compatibility/2006" xmlns:p14="http://schemas.microsoft.com/office/powerpoint/2010/main">
+    <mc:Choice Requires="p14">
+      <p:transition spd="med" p14:dur="700">
+        <p:fade/>
+      </p:transition>
+    </mc:Choice>
+    <mc:Fallback xmlns="">
+      <p:transition spd="med">
+        <p:fade/>
+      </p:transition>
+    </mc:Fallback>
+  </mc:AlternateContent>
 </p:sld>
 </file>
 

--- a/Avito.pptx
+++ b/Avito.pptx
@@ -4582,42 +4582,210 @@
             </a:r>
             <a:r>
               <a:rPr lang="en-US" dirty="0" smtClean="0"/>
-              <a:t>on title + description</a:t>
-            </a:r>
-          </a:p>
-          <a:p>
+              <a:t>on title + </a:t>
+            </a:r>
             <a:r>
               <a:rPr lang="en-US" dirty="0" smtClean="0"/>
-              <a:t>Default Logistic Regression</a:t>
-            </a:r>
-          </a:p>
-          <a:p>
-            <a:r>
-              <a:rPr lang="en-US" dirty="0" smtClean="0"/>
-              <a:t>Train accuracy: 78.23%</a:t>
-            </a:r>
-          </a:p>
-          <a:p>
-            <a:r>
-              <a:rPr lang="en-US" dirty="0" smtClean="0"/>
-              <a:t>Test accuracy (on </a:t>
-            </a:r>
-            <a:r>
-              <a:rPr lang="en-US" dirty="0" err="1"/>
-              <a:t>K</a:t>
-            </a:r>
-            <a:r>
-              <a:rPr lang="en-US" dirty="0" err="1" smtClean="0"/>
-              <a:t>aggle</a:t>
-            </a:r>
-            <a:r>
-              <a:rPr lang="en-US" smtClean="0"/>
-              <a:t>): 76.85%</a:t>
-            </a:r>
-            <a:endParaRPr lang="en-SG" dirty="0"/>
-          </a:p>
-        </p:txBody>
-      </p:sp>
+              <a:t>description</a:t>
+            </a:r>
+          </a:p>
+          <a:p>
+            <a:pPr marL="45720" indent="0">
+              <a:buNone/>
+            </a:pPr>
+            <a:endParaRPr lang="en-US" dirty="0" smtClean="0"/>
+          </a:p>
+        </p:txBody>
+      </p:sp>
+      <p:graphicFrame>
+        <p:nvGraphicFramePr>
+          <p:cNvPr id="4" name="Table 3"/>
+          <p:cNvGraphicFramePr>
+            <a:graphicFrameLocks noGrp="1"/>
+          </p:cNvGraphicFramePr>
+          <p:nvPr>
+            <p:extLst>
+              <p:ext uri="{D42A27DB-BD31-4B8C-83A1-F6EECF244321}">
+                <p14:modId xmlns:p14="http://schemas.microsoft.com/office/powerpoint/2010/main" val="3778434163"/>
+              </p:ext>
+            </p:extLst>
+          </p:nvPr>
+        </p:nvGraphicFramePr>
+        <p:xfrm>
+          <a:off x="1295400" y="2474326"/>
+          <a:ext cx="8127999" cy="1381760"/>
+        </p:xfrm>
+        <a:graphic>
+          <a:graphicData uri="http://schemas.openxmlformats.org/drawingml/2006/table">
+            <a:tbl>
+              <a:tblPr firstRow="1" bandRow="1">
+                <a:tableStyleId>{5C22544A-7EE6-4342-B048-85BDC9FD1C3A}</a:tableStyleId>
+              </a:tblPr>
+              <a:tblGrid>
+                <a:gridCol w="2709333"/>
+                <a:gridCol w="2709333"/>
+                <a:gridCol w="2709333"/>
+              </a:tblGrid>
+              <a:tr h="370840">
+                <a:tc>
+                  <a:txBody>
+                    <a:bodyPr/>
+                    <a:lstStyle/>
+                    <a:p>
+                      <a:pPr algn="ctr"/>
+                      <a:r>
+                        <a:rPr lang="en-US" dirty="0" smtClean="0"/>
+                        <a:t>Model</a:t>
+                      </a:r>
+                      <a:endParaRPr lang="en-SG" dirty="0"/>
+                    </a:p>
+                  </a:txBody>
+                  <a:tcPr/>
+                </a:tc>
+                <a:tc>
+                  <a:txBody>
+                    <a:bodyPr/>
+                    <a:lstStyle/>
+                    <a:p>
+                      <a:pPr algn="ctr"/>
+                      <a:r>
+                        <a:rPr lang="en-US" dirty="0" smtClean="0"/>
+                        <a:t>Train Accuracy</a:t>
+                      </a:r>
+                      <a:endParaRPr lang="en-SG" dirty="0"/>
+                    </a:p>
+                  </a:txBody>
+                  <a:tcPr/>
+                </a:tc>
+                <a:tc>
+                  <a:txBody>
+                    <a:bodyPr/>
+                    <a:lstStyle/>
+                    <a:p>
+                      <a:pPr algn="ctr"/>
+                      <a:r>
+                        <a:rPr lang="en-US" dirty="0" smtClean="0"/>
+                        <a:t>Test Accuracy</a:t>
+                      </a:r>
+                    </a:p>
+                    <a:p>
+                      <a:pPr algn="ctr"/>
+                      <a:r>
+                        <a:rPr lang="en-US" dirty="0" smtClean="0"/>
+                        <a:t>(On </a:t>
+                      </a:r>
+                      <a:r>
+                        <a:rPr lang="en-US" dirty="0" err="1" smtClean="0"/>
+                        <a:t>Kaggle</a:t>
+                      </a:r>
+                      <a:r>
+                        <a:rPr lang="en-US" dirty="0" smtClean="0"/>
+                        <a:t>)</a:t>
+                      </a:r>
+                      <a:endParaRPr lang="en-SG" dirty="0"/>
+                    </a:p>
+                  </a:txBody>
+                  <a:tcPr/>
+                </a:tc>
+              </a:tr>
+              <a:tr h="370840">
+                <a:tc>
+                  <a:txBody>
+                    <a:bodyPr/>
+                    <a:lstStyle/>
+                    <a:p>
+                      <a:pPr algn="ctr"/>
+                      <a:r>
+                        <a:rPr lang="en-US" dirty="0" smtClean="0"/>
+                        <a:t>Logistic Regression</a:t>
+                      </a:r>
+                      <a:endParaRPr lang="en-SG" dirty="0"/>
+                    </a:p>
+                  </a:txBody>
+                  <a:tcPr/>
+                </a:tc>
+                <a:tc>
+                  <a:txBody>
+                    <a:bodyPr/>
+                    <a:lstStyle/>
+                    <a:p>
+                      <a:pPr algn="ctr"/>
+                      <a:r>
+                        <a:rPr lang="en-US" dirty="0" smtClean="0"/>
+                        <a:t>78.23%</a:t>
+                      </a:r>
+                      <a:endParaRPr lang="en-SG" dirty="0"/>
+                    </a:p>
+                  </a:txBody>
+                  <a:tcPr/>
+                </a:tc>
+                <a:tc>
+                  <a:txBody>
+                    <a:bodyPr/>
+                    <a:lstStyle/>
+                    <a:p>
+                      <a:pPr algn="ctr"/>
+                      <a:r>
+                        <a:rPr lang="en-US" dirty="0" smtClean="0"/>
+                        <a:t>76.85%</a:t>
+                      </a:r>
+                      <a:endParaRPr lang="en-SG" dirty="0"/>
+                    </a:p>
+                  </a:txBody>
+                  <a:tcPr/>
+                </a:tc>
+              </a:tr>
+              <a:tr h="370840">
+                <a:tc>
+                  <a:txBody>
+                    <a:bodyPr/>
+                    <a:lstStyle/>
+                    <a:p>
+                      <a:pPr algn="ctr"/>
+                      <a:r>
+                        <a:rPr lang="en-US" smtClean="0"/>
+                        <a:t>XGBoost</a:t>
+                      </a:r>
+                      <a:endParaRPr lang="en-SG" dirty="0"/>
+                    </a:p>
+                  </a:txBody>
+                  <a:tcPr/>
+                </a:tc>
+                <a:tc>
+                  <a:txBody>
+                    <a:bodyPr/>
+                    <a:lstStyle/>
+                    <a:p>
+                      <a:pPr algn="ctr"/>
+                      <a:r>
+                        <a:rPr lang="en-US" dirty="0" smtClean="0"/>
+                        <a:t>74.83%</a:t>
+                      </a:r>
+                      <a:endParaRPr lang="en-SG" dirty="0"/>
+                    </a:p>
+                  </a:txBody>
+                  <a:tcPr/>
+                </a:tc>
+                <a:tc>
+                  <a:txBody>
+                    <a:bodyPr/>
+                    <a:lstStyle/>
+                    <a:p>
+                      <a:pPr algn="ctr"/>
+                      <a:r>
+                        <a:rPr lang="en-US" dirty="0" smtClean="0"/>
+                        <a:t>78.46%</a:t>
+                      </a:r>
+                      <a:endParaRPr lang="en-SG" dirty="0"/>
+                    </a:p>
+                  </a:txBody>
+                  <a:tcPr/>
+                </a:tc>
+              </a:tr>
+            </a:tbl>
+          </a:graphicData>
+        </a:graphic>
+      </p:graphicFrame>
     </p:spTree>
     <p:extLst>
       <p:ext uri="{BB962C8B-B14F-4D97-AF65-F5344CB8AC3E}">
